--- a/restricted/slides4w.pptx
+++ b/restricted/slides4w.pptx
@@ -286,7 +286,7 @@
             <a:fld id="{D875CB5D-1501-4E8C-8449-8F562B53033D}" type="datetimeFigureOut">
               <a:rPr lang="en-US" smtClean="0"/>
               <a:pPr/>
-              <a:t>2/16/10</a:t>
+              <a:t>2/18/10</a:t>
             </a:fld>
             <a:endParaRPr lang="en-US"/>
           </a:p>
@@ -448,7 +448,7 @@
             <a:fld id="{2E64E5CB-D4EF-403A-9BB6-139C52688DF7}" type="datetimeFigureOut">
               <a:rPr lang="en-US" smtClean="0"/>
               <a:pPr/>
-              <a:t>2/16/10</a:t>
+              <a:t>2/18/10</a:t>
             </a:fld>
             <a:endParaRPr lang="en-US"/>
           </a:p>
@@ -16403,10 +16403,24 @@
                 <a:latin typeface="Comic Sans MS" pitchFamily="66" charset="0"/>
                 <a:sym typeface="Euclid Symbol"/>
               </a:rPr>
-              <a:t>. </a:t>
-            </a:r>
-            <a:r>
-              <a:rPr lang="en-US" sz="5400" b="1" dirty="0" err="1" smtClean="0">
+              <a:t>.</a:t>
+            </a:r>
+            <a:r>
+              <a:rPr lang="en-US" sz="5400" dirty="0" smtClean="0">
+                <a:latin typeface="Comic Sans MS" pitchFamily="66" charset="0"/>
+                <a:sym typeface="Euclid Symbol"/>
+              </a:rPr>
+              <a:t> </a:t>
+            </a:r>
+            <a:r>
+              <a:rPr lang="en-US" sz="5400" smtClean="0">
+                <a:latin typeface="Comic Sans MS" pitchFamily="66" charset="0"/>
+                <a:sym typeface="Euclid Symbol"/>
+              </a:rPr>
+              <a:t>on </a:t>
+            </a:r>
+            <a:r>
+              <a:rPr lang="en-US" sz="5400" b="1" smtClean="0">
                 <a:solidFill>
                   <a:srgbClr val="0033CC"/>
                 </a:solidFill>

--- a/restricted/slides4w.pptx
+++ b/restricted/slides4w.pptx
@@ -286,7 +286,7 @@
             <a:fld id="{D875CB5D-1501-4E8C-8449-8F562B53033D}" type="datetimeFigureOut">
               <a:rPr lang="en-US" smtClean="0"/>
               <a:pPr/>
-              <a:t>2/18/10</a:t>
+              <a:t>2/23/10</a:t>
             </a:fld>
             <a:endParaRPr lang="en-US"/>
           </a:p>
@@ -448,7 +448,7 @@
             <a:fld id="{2E64E5CB-D4EF-403A-9BB6-139C52688DF7}" type="datetimeFigureOut">
               <a:rPr lang="en-US" smtClean="0"/>
               <a:pPr/>
-              <a:t>2/18/10</a:t>
+              <a:t>2/23/10</a:t>
             </a:fld>
             <a:endParaRPr lang="en-US"/>
           </a:p>
@@ -6409,58 +6409,6 @@
           </a:p>
         </p:txBody>
       </p:sp>
-      <p:sp>
-        <p:nvSpPr>
-          <p:cNvPr id="10" name="TextBox 9"/>
-          <p:cNvSpPr txBox="1"/>
-          <p:nvPr>
-            <p:custDataLst>
-              <p:tags r:id="rId1"/>
-            </p:custDataLst>
-          </p:nvPr>
-        </p:nvSpPr>
-        <p:spPr>
-          <a:xfrm>
-            <a:off x="0" y="7112000"/>
-            <a:ext cx="9144000" cy="646331"/>
-          </a:xfrm>
-          <a:prstGeom prst="rect">
-            <a:avLst/>
-          </a:prstGeom>
-          <a:noFill/>
-        </p:spPr>
-        <p:txBody>
-          <a:bodyPr vert="horz" rtlCol="0">
-            <a:spAutoFit/>
-          </a:bodyPr>
-          <a:lstStyle/>
-          <a:p>
-            <a:r>
-              <a:rPr lang="en-US" smtClean="0"/>
-              <a:t>TexPoint fonts used in EMF. </a:t>
-            </a:r>
-          </a:p>
-          <a:p>
-            <a:r>
-              <a:rPr lang="en-US" smtClean="0"/>
-              <a:t>Read the TexPoint manual before you delete this box.: </a:t>
-            </a:r>
-            <a:r>
-              <a:rPr lang="en-US" smtClean="0">
-                <a:latin typeface="CMEX10"/>
-              </a:rPr>
-              <a:t>A</a:t>
-            </a:r>
-            <a:r>
-              <a:rPr lang="en-US" smtClean="0">
-                <a:latin typeface="EURM10"/>
-              </a:rPr>
-              <a:t>A</a:t>
-            </a:r>
-            <a:endParaRPr lang="en-US"/>
-          </a:p>
-        </p:txBody>
-      </p:sp>
     </p:spTree>
   </p:cSld>
   <p:clrMapOvr>
@@ -7057,7 +7005,7 @@
   <p:clrMapOvr>
     <a:masterClrMapping/>
   </p:clrMapOvr>
-  <p:transition>
+  <p:transition spd="slow">
     <p:fade thruBlk="1"/>
   </p:transition>
   <p:timing>
@@ -7254,7 +7202,9 @@
   <p:clrMapOvr>
     <a:masterClrMapping/>
   </p:clrMapOvr>
-  <p:transition/>
+  <p:transition>
+    <p:fade/>
+  </p:transition>
   <p:timing>
     <p:tnLst>
       <p:par>
@@ -11140,7 +11090,25 @@
                   <a:srgbClr val="006600"/>
                 </a:solidFill>
               </a:rPr>
-              <a:t> as ⊂ example</a:t>
+              <a:t> as </a:t>
+            </a:r>
+            <a:r>
+              <a:rPr lang="en-US" sz="6600" b="1" dirty="0" smtClean="0">
+                <a:solidFill>
+                  <a:srgbClr val="006600"/>
+                </a:solidFill>
+                <a:latin typeface="Euclid Symbol" charset="2"/>
+                <a:cs typeface="Euclid Symbol" charset="2"/>
+              </a:rPr>
+              <a:t>⊂</a:t>
+            </a:r>
+            <a:r>
+              <a:rPr lang="en-US" sz="6600" dirty="0" smtClean="0">
+                <a:solidFill>
+                  <a:srgbClr val="006600"/>
+                </a:solidFill>
+              </a:rPr>
+              <a:t> example</a:t>
             </a:r>
           </a:p>
           <a:p>
@@ -12885,7 +12853,9 @@
   <p:clrMapOvr>
     <a:masterClrMapping/>
   </p:clrMapOvr>
-  <p:transition/>
+  <p:transition>
+    <p:fade/>
+  </p:transition>
   <p:timing>
     <p:tnLst>
       <p:par>
@@ -13930,7 +13900,9 @@
   <p:clrMapOvr>
     <a:masterClrMapping/>
   </p:clrMapOvr>
-  <p:transition spd="slow"/>
+  <p:transition spd="slow">
+    <p:fade/>
+  </p:transition>
   <p:timing>
     <p:tnLst>
       <p:par>
@@ -14031,7 +14003,25 @@
                   <a:srgbClr val="006600"/>
                 </a:solidFill>
               </a:rPr>
-              <a:t> as ⊂ example</a:t>
+              <a:t> as </a:t>
+            </a:r>
+            <a:r>
+              <a:rPr lang="en-US" sz="6600" b="1" dirty="0" smtClean="0">
+                <a:solidFill>
+                  <a:srgbClr val="006600"/>
+                </a:solidFill>
+                <a:latin typeface="Euclid Symbol" charset="2"/>
+                <a:cs typeface="Euclid Symbol" charset="2"/>
+              </a:rPr>
+              <a:t>⊂</a:t>
+            </a:r>
+            <a:r>
+              <a:rPr lang="en-US" sz="6600" dirty="0" smtClean="0">
+                <a:solidFill>
+                  <a:srgbClr val="006600"/>
+                </a:solidFill>
+              </a:rPr>
+              <a:t> example</a:t>
             </a:r>
           </a:p>
           <a:p>
@@ -14115,7 +14105,7 @@
                             </p:stCondLst>
                             <p:childTnLst>
                               <p:par>
-                                <p:cTn id="5" presetID="52" presetClass="entr" presetSubtype="0" fill="hold" grpId="0" nodeType="afterEffect">
+                                <p:cTn id="5" presetID="9" presetClass="entr" presetSubtype="0" fill="hold" grpId="0" nodeType="withEffect">
                                   <p:stCondLst>
                                     <p:cond delay="0"/>
                                   </p:stCondLst>
@@ -14142,47 +14132,9 @@
                                         <p:strVal val="visible"/>
                                       </p:to>
                                     </p:set>
-                                    <p:animScale>
+                                    <p:animEffect transition="in" filter="dissolve">
                                       <p:cBhvr>
-                                        <p:cTn id="7" dur="1000" decel="50000" fill="hold">
-                                          <p:stCondLst>
-                                            <p:cond delay="0"/>
-                                          </p:stCondLst>
-                                        </p:cTn>
-                                        <p:tgtEl>
-                                          <p:spTgt spid="506883">
-                                            <p:txEl>
-                                              <p:pRg st="1" end="1"/>
-                                            </p:txEl>
-                                          </p:spTgt>
-                                        </p:tgtEl>
-                                      </p:cBhvr>
-                                      <p:from x="250000" y="250000"/>
-                                      <p:to x="100000" y="100000"/>
-                                    </p:animScale>
-                                    <p:animMotion origin="layout" path="M -0.46736 0.92887  C -0.37517 0.88508  -0.02552 0.75279  0.0908 0.66613  C  0.20747 0.57948  0.21649 0.50394  0.23177 0.40825  C 0.24705 0.31256  0.22118 0.15964   0.18264 0.09152  C 0.1441 0.02341  0.03802 0.0  0.0 0.0  " pathEditMode="relative" ptsTypes="">
-                                      <p:cBhvr>
-                                        <p:cTn id="8" dur="1000" decel="50000" fill="hold">
-                                          <p:stCondLst>
-                                            <p:cond delay="0"/>
-                                          </p:stCondLst>
-                                        </p:cTn>
-                                        <p:tgtEl>
-                                          <p:spTgt spid="506883">
-                                            <p:txEl>
-                                              <p:pRg st="1" end="1"/>
-                                            </p:txEl>
-                                          </p:spTgt>
-                                        </p:tgtEl>
-                                        <p:attrNameLst>
-                                          <p:attrName>ppt_x</p:attrName>
-                                          <p:attrName>ppt_y</p:attrName>
-                                        </p:attrNameLst>
-                                      </p:cBhvr>
-                                    </p:animMotion>
-                                    <p:animEffect transition="in" filter="fade">
-                                      <p:cBhvr>
-                                        <p:cTn id="9" dur="1000"/>
+                                        <p:cTn id="7" dur="500"/>
                                         <p:tgtEl>
                                           <p:spTgt spid="506883">
                                             <p:txEl>
@@ -14258,20 +14210,22 @@
         </p:nvSpPr>
         <p:spPr>
           <a:xfrm>
-            <a:off x="1524000" y="304800"/>
-            <a:ext cx="7086600" cy="1143000"/>
+            <a:off x="1371600" y="304800"/>
+            <a:ext cx="7391400" cy="1143000"/>
           </a:xfrm>
         </p:spPr>
         <p:txBody>
-          <a:bodyPr/>
+          <a:bodyPr>
+            <a:noAutofit/>
+          </a:bodyPr>
           <a:lstStyle/>
           <a:p>
             <a:r>
-              <a:rPr lang="en-US" dirty="0" err="1" smtClean="0"/>
+              <a:rPr lang="en-US" sz="4400" dirty="0" err="1" smtClean="0"/>
               <a:t>p.o</a:t>
             </a:r>
             <a:r>
-              <a:rPr lang="en-US" dirty="0" smtClean="0"/>
+              <a:rPr lang="en-US" sz="4400" dirty="0" smtClean="0"/>
               <a:t>. has same shape as </a:t>
             </a:r>
             <a:r>
@@ -14279,6 +14233,8 @@
                 <a:solidFill>
                   <a:srgbClr val="0033CC"/>
                 </a:solidFill>
+                <a:latin typeface="Euclid Symbol" charset="2"/>
+                <a:cs typeface="Euclid Symbol" charset="2"/>
                 <a:sym typeface="Euclid Symbol"/>
               </a:rPr>
               <a:t>⊂</a:t>
@@ -14287,6 +14243,8 @@
               <a:solidFill>
                 <a:srgbClr val="0033CC"/>
               </a:solidFill>
+              <a:latin typeface="Euclid Symbol" charset="2"/>
+              <a:cs typeface="Euclid Symbol" charset="2"/>
             </a:endParaRPr>
           </a:p>
         </p:txBody>
@@ -14330,10 +14288,12 @@
               <a:t> </a:t>
             </a:r>
             <a:r>
-              <a:rPr lang="en-US" sz="4800" dirty="0" smtClean="0">
+              <a:rPr lang="en-US" sz="4800" b="1" dirty="0" smtClean="0">
                 <a:solidFill>
                   <a:srgbClr val="0033CC"/>
                 </a:solidFill>
+                <a:latin typeface="Euclid Symbol" charset="2"/>
+                <a:cs typeface="Euclid Symbol" charset="2"/>
                 <a:sym typeface="Euclid Symbol"/>
               </a:rPr>
               <a:t>⊂</a:t>
@@ -15601,51 +15561,6 @@
           </a:p>
         </p:txBody>
       </p:sp>
-      <p:sp>
-        <p:nvSpPr>
-          <p:cNvPr id="4" name="Title 1"/>
-          <p:cNvSpPr>
-            <a:spLocks noGrp="1"/>
-          </p:cNvSpPr>
-          <p:nvPr>
-            <p:ph type="title"/>
-          </p:nvPr>
-        </p:nvSpPr>
-        <p:spPr>
-          <a:xfrm>
-            <a:off x="1447800" y="304800"/>
-            <a:ext cx="7086600" cy="1143000"/>
-          </a:xfrm>
-        </p:spPr>
-        <p:txBody>
-          <a:bodyPr/>
-          <a:lstStyle/>
-          <a:p>
-            <a:r>
-              <a:rPr lang="en-US" dirty="0" err="1" smtClean="0"/>
-              <a:t>p.o</a:t>
-            </a:r>
-            <a:r>
-              <a:rPr lang="en-US" dirty="0" smtClean="0"/>
-              <a:t>. has same shape as </a:t>
-            </a:r>
-            <a:r>
-              <a:rPr lang="en-US" sz="4400" dirty="0" smtClean="0">
-                <a:solidFill>
-                  <a:srgbClr val="0033CC"/>
-                </a:solidFill>
-                <a:sym typeface="Euclid Symbol"/>
-              </a:rPr>
-              <a:t>⊂</a:t>
-            </a:r>
-            <a:endParaRPr lang="en-US" sz="4400" dirty="0">
-              <a:solidFill>
-                <a:srgbClr val="0033CC"/>
-              </a:solidFill>
-            </a:endParaRPr>
-          </a:p>
-        </p:txBody>
-      </p:sp>
       <p:graphicFrame>
         <p:nvGraphicFramePr>
           <p:cNvPr id="5" name="Object 4"/>
@@ -15666,6 +15581,57 @@
           </a:graphicData>
         </a:graphic>
       </p:graphicFrame>
+      <p:sp>
+        <p:nvSpPr>
+          <p:cNvPr id="7" name="Title 1"/>
+          <p:cNvSpPr>
+            <a:spLocks noGrp="1"/>
+          </p:cNvSpPr>
+          <p:nvPr>
+            <p:ph type="title"/>
+          </p:nvPr>
+        </p:nvSpPr>
+        <p:spPr>
+          <a:xfrm>
+            <a:off x="1371600" y="304800"/>
+            <a:ext cx="7391400" cy="1143000"/>
+          </a:xfrm>
+        </p:spPr>
+        <p:txBody>
+          <a:bodyPr>
+            <a:noAutofit/>
+          </a:bodyPr>
+          <a:lstStyle/>
+          <a:p>
+            <a:r>
+              <a:rPr lang="en-US" sz="4400" dirty="0" err="1" smtClean="0"/>
+              <a:t>p.o</a:t>
+            </a:r>
+            <a:r>
+              <a:rPr lang="en-US" sz="4400" dirty="0" smtClean="0"/>
+              <a:t>. has same shape as </a:t>
+            </a:r>
+            <a:r>
+              <a:rPr lang="en-US" sz="4400" dirty="0" smtClean="0">
+                <a:solidFill>
+                  <a:srgbClr val="0033CC"/>
+                </a:solidFill>
+                <a:latin typeface="Euclid Symbol" charset="2"/>
+                <a:cs typeface="Euclid Symbol" charset="2"/>
+                <a:sym typeface="Euclid Symbol"/>
+              </a:rPr>
+              <a:t>⊂</a:t>
+            </a:r>
+            <a:endParaRPr lang="en-US" sz="4400" dirty="0">
+              <a:solidFill>
+                <a:srgbClr val="0033CC"/>
+              </a:solidFill>
+              <a:latin typeface="Euclid Symbol" charset="2"/>
+              <a:cs typeface="Euclid Symbol" charset="2"/>
+            </a:endParaRPr>
+          </a:p>
+        </p:txBody>
+      </p:sp>
     </p:spTree>
   </p:cSld>
   <p:clrMapOvr>
@@ -16403,14 +16369,7 @@
                 <a:latin typeface="Comic Sans MS" pitchFamily="66" charset="0"/>
                 <a:sym typeface="Euclid Symbol"/>
               </a:rPr>
-              <a:t>.</a:t>
-            </a:r>
-            <a:r>
-              <a:rPr lang="en-US" sz="5400" dirty="0" smtClean="0">
-                <a:latin typeface="Comic Sans MS" pitchFamily="66" charset="0"/>
-                <a:sym typeface="Euclid Symbol"/>
-              </a:rPr>
-              <a:t> </a:t>
+              <a:t>. </a:t>
             </a:r>
             <a:r>
               <a:rPr lang="en-US" sz="5400" smtClean="0">
@@ -18076,7 +18035,7 @@
       </p:grpSp>
       <p:sp>
         <p:nvSpPr>
-          <p:cNvPr id="36" name="Rectangle 2"/>
+          <p:cNvPr id="37" name="Rectangle 2"/>
           <p:cNvSpPr txBox="1">
             <a:spLocks noChangeArrowheads="1"/>
           </p:cNvSpPr>
@@ -18085,7 +18044,7 @@
         <p:spPr>
           <a:xfrm>
             <a:off x="1524000" y="381000"/>
-            <a:ext cx="6019800" cy="1143000"/>
+            <a:ext cx="7086600" cy="1219200"/>
           </a:xfrm>
           <a:prstGeom prst="rect">
             <a:avLst/>
@@ -18104,7 +18063,7 @@
               </a:spcBef>
             </a:pPr>
             <a:r>
-              <a:rPr kumimoji="0" lang="en-US" sz="4000" b="1" u="none" strike="noStrike" kern="1200" cap="none" spc="0" normalizeH="0" baseline="0" noProof="0" dirty="0" smtClean="0">
+              <a:rPr kumimoji="0" lang="en-US" sz="4800" b="1" u="none" strike="noStrike" kern="1200" cap="none" spc="0" normalizeH="0" baseline="0" noProof="0" dirty="0" smtClean="0">
                 <a:ln>
                   <a:noFill/>
                 </a:ln>
@@ -18121,7 +18080,7 @@
               <a:t>proper</a:t>
             </a:r>
             <a:r>
-              <a:rPr kumimoji="0" lang="en-US" sz="4000" b="1" i="0" u="none" strike="noStrike" kern="1200" cap="none" spc="0" normalizeH="0" baseline="0" noProof="0" dirty="0" smtClean="0">
+              <a:rPr kumimoji="0" lang="en-US" sz="4800" b="1" i="0" u="none" strike="noStrike" kern="1200" cap="none" spc="0" normalizeH="0" baseline="0" noProof="0" dirty="0" smtClean="0">
                 <a:ln>
                   <a:noFill/>
                 </a:ln>
@@ -18138,7 +18097,7 @@
               <a:t> subset</a:t>
             </a:r>
             <a:r>
-              <a:rPr kumimoji="0" lang="en-US" sz="4000" b="1" i="0" u="none" strike="noStrike" kern="1200" cap="none" spc="0" normalizeH="0" baseline="0" noProof="0" dirty="0" smtClean="0">
+              <a:rPr kumimoji="0" lang="en-US" sz="4800" b="1" i="0" u="none" strike="noStrike" kern="1200" cap="none" spc="0" normalizeH="0" baseline="0" noProof="0" dirty="0" smtClean="0">
                 <a:ln>
                   <a:noFill/>
                 </a:ln>
@@ -18155,13 +18114,13 @@
               <a:t> </a:t>
             </a:r>
             <a:r>
-              <a:rPr lang="en-US" sz="4000" b="1" dirty="0" smtClean="0">
+              <a:rPr lang="en-US" sz="4800" b="1" dirty="0" smtClean="0">
                 <a:latin typeface="Comic Sans MS" pitchFamily="66" charset="0"/>
                 <a:sym typeface="Euclid Symbol"/>
               </a:rPr>
               <a:t>relation</a:t>
             </a:r>
-            <a:endParaRPr kumimoji="0" lang="en-US" sz="4000" b="1" i="0" u="none" strike="noStrike" kern="1200" cap="none" spc="0" normalizeH="0" baseline="0" noProof="0" dirty="0">
+            <a:endParaRPr kumimoji="0" lang="en-US" sz="4800" b="1" i="0" u="none" strike="noStrike" kern="1200" cap="none" spc="0" normalizeH="0" baseline="0" noProof="0" dirty="0">
               <a:ln>
                 <a:noFill/>
               </a:ln>
@@ -18180,10 +18139,89 @@
   <p:clrMapOvr>
     <a:masterClrMapping/>
   </p:clrMapOvr>
+  <p:transition>
+    <p:fade thruBlk="1"/>
+  </p:transition>
   <p:timing>
     <p:tnLst>
       <p:par>
-        <p:cTn id="1" dur="indefinite" restart="never" nodeType="tmRoot"/>
+        <p:cTn id="1" dur="indefinite" restart="never" nodeType="tmRoot">
+          <p:childTnLst>
+            <p:seq concurrent="1" nextAc="seek">
+              <p:cTn id="2" dur="indefinite" nodeType="mainSeq">
+                <p:childTnLst>
+                  <p:par>
+                    <p:cTn id="3" fill="hold">
+                      <p:stCondLst>
+                        <p:cond delay="indefinite"/>
+                      </p:stCondLst>
+                      <p:childTnLst>
+                        <p:par>
+                          <p:cTn id="4" fill="hold">
+                            <p:stCondLst>
+                              <p:cond delay="0"/>
+                            </p:stCondLst>
+                            <p:childTnLst>
+                              <p:par>
+                                <p:cTn id="5" presetID="10" presetClass="entr" presetSubtype="0" fill="hold" nodeType="clickEffect">
+                                  <p:stCondLst>
+                                    <p:cond delay="0"/>
+                                  </p:stCondLst>
+                                  <p:childTnLst>
+                                    <p:set>
+                                      <p:cBhvr>
+                                        <p:cTn id="6" dur="1" fill="hold">
+                                          <p:stCondLst>
+                                            <p:cond delay="0"/>
+                                          </p:stCondLst>
+                                        </p:cTn>
+                                        <p:tgtEl>
+                                          <p:spTgt spid="2"/>
+                                        </p:tgtEl>
+                                        <p:attrNameLst>
+                                          <p:attrName>style.visibility</p:attrName>
+                                        </p:attrNameLst>
+                                      </p:cBhvr>
+                                      <p:to>
+                                        <p:strVal val="visible"/>
+                                      </p:to>
+                                    </p:set>
+                                    <p:animEffect transition="in" filter="fade">
+                                      <p:cBhvr>
+                                        <p:cTn id="7" dur="1000"/>
+                                        <p:tgtEl>
+                                          <p:spTgt spid="2"/>
+                                        </p:tgtEl>
+                                      </p:cBhvr>
+                                    </p:animEffect>
+                                  </p:childTnLst>
+                                </p:cTn>
+                              </p:par>
+                            </p:childTnLst>
+                          </p:cTn>
+                        </p:par>
+                      </p:childTnLst>
+                    </p:cTn>
+                  </p:par>
+                </p:childTnLst>
+              </p:cTn>
+              <p:prevCondLst>
+                <p:cond evt="onPrev" delay="0">
+                  <p:tgtEl>
+                    <p:sldTgt/>
+                  </p:tgtEl>
+                </p:cond>
+              </p:prevCondLst>
+              <p:nextCondLst>
+                <p:cond evt="onNext" delay="0">
+                  <p:tgtEl>
+                    <p:sldTgt/>
+                  </p:tgtEl>
+                </p:cond>
+              </p:nextCondLst>
+            </p:seq>
+          </p:childTnLst>
+        </p:cTn>
       </p:par>
     </p:tnLst>
   </p:timing>
@@ -18889,7 +18927,7 @@
         <p:spPr bwMode="auto">
           <a:xfrm>
             <a:off x="565076" y="1443841"/>
-            <a:ext cx="7861447" cy="3970318"/>
+            <a:ext cx="8045524" cy="3966359"/>
           </a:xfrm>
           <a:prstGeom prst="rect">
             <a:avLst/>
@@ -18904,7 +18942,7 @@
           <a:effectLst/>
         </p:spPr>
         <p:txBody>
-          <a:bodyPr wrap="none">
+          <a:bodyPr wrap="square">
             <a:spAutoFit/>
           </a:bodyPr>
           <a:lstStyle/>
@@ -19103,20 +19141,30 @@
                 </a:solidFill>
                 <a:latin typeface="Comic Sans MS" pitchFamily="66" charset="0"/>
               </a:rPr>
-              <a:t>a </a:t>
-            </a:r>
-            <a:r>
-              <a:rPr lang="en-US" sz="6000" b="1" dirty="0">
+              <a:t>a</a:t>
+            </a:r>
+            <a:r>
+              <a:rPr lang="en-US" sz="6000" dirty="0" smtClean="0">
                 <a:solidFill>
                   <a:srgbClr val="1E03BD"/>
                 </a:solidFill>
                 <a:latin typeface="Comic Sans MS" pitchFamily="66" charset="0"/>
+              </a:rPr>
+              <a:t> </a:t>
+            </a:r>
+            <a:r>
+              <a:rPr lang="en-US" sz="6000" b="1" dirty="0" smtClean="0">
+                <a:solidFill>
+                  <a:srgbClr val="1E03BD"/>
+                </a:solidFill>
+                <a:latin typeface="Euclid Symbol" charset="2"/>
+                <a:cs typeface="Euclid Symbol" charset="2"/>
                 <a:sym typeface="Euclid Symbol" pitchFamily="18" charset="2"/>
               </a:rPr>
-              <a:t></a:t>
-            </a:r>
-            <a:r>
-              <a:rPr lang="en-US" sz="6000" dirty="0">
+              <a:t>∈</a:t>
+            </a:r>
+            <a:r>
+              <a:rPr lang="en-US" sz="6000" dirty="0" smtClean="0">
                 <a:solidFill>
                   <a:srgbClr val="1E03BD"/>
                 </a:solidFill>
@@ -21099,7 +21147,7 @@
         </p:nvSpPr>
         <p:spPr>
           <a:xfrm>
-            <a:off x="838200" y="1600200"/>
+            <a:off x="838200" y="1524000"/>
             <a:ext cx="7848600" cy="4800600"/>
           </a:xfrm>
           <a:prstGeom prst="rect">
@@ -21207,7 +21255,7 @@
         <p:spPr>
           <a:xfrm>
             <a:off x="1524000" y="381000"/>
-            <a:ext cx="6019800" cy="1143000"/>
+            <a:ext cx="7086600" cy="1219200"/>
           </a:xfrm>
           <a:prstGeom prst="rect">
             <a:avLst/>
@@ -21226,7 +21274,7 @@
               </a:spcBef>
             </a:pPr>
             <a:r>
-              <a:rPr kumimoji="0" lang="en-US" sz="4000" b="1" u="none" strike="noStrike" kern="1200" cap="none" spc="0" normalizeH="0" baseline="0" noProof="0" dirty="0" smtClean="0">
+              <a:rPr kumimoji="0" lang="en-US" sz="4800" b="1" u="none" strike="noStrike" kern="1200" cap="none" spc="0" normalizeH="0" baseline="0" noProof="0" dirty="0" smtClean="0">
                 <a:ln>
                   <a:noFill/>
                 </a:ln>
@@ -21243,7 +21291,7 @@
               <a:t>proper</a:t>
             </a:r>
             <a:r>
-              <a:rPr kumimoji="0" lang="en-US" sz="4000" b="1" i="0" u="none" strike="noStrike" kern="1200" cap="none" spc="0" normalizeH="0" baseline="0" noProof="0" dirty="0" smtClean="0">
+              <a:rPr kumimoji="0" lang="en-US" sz="4800" b="1" i="0" u="none" strike="noStrike" kern="1200" cap="none" spc="0" normalizeH="0" baseline="0" noProof="0" dirty="0" smtClean="0">
                 <a:ln>
                   <a:noFill/>
                 </a:ln>
@@ -21260,7 +21308,7 @@
               <a:t> subset</a:t>
             </a:r>
             <a:r>
-              <a:rPr kumimoji="0" lang="en-US" sz="4000" b="1" i="0" u="none" strike="noStrike" kern="1200" cap="none" spc="0" normalizeH="0" baseline="0" noProof="0" dirty="0" smtClean="0">
+              <a:rPr kumimoji="0" lang="en-US" sz="4800" b="1" i="0" u="none" strike="noStrike" kern="1200" cap="none" spc="0" normalizeH="0" baseline="0" noProof="0" dirty="0" smtClean="0">
                 <a:ln>
                   <a:noFill/>
                 </a:ln>
@@ -21277,13 +21325,13 @@
               <a:t> </a:t>
             </a:r>
             <a:r>
-              <a:rPr lang="en-US" sz="4000" b="1" dirty="0" smtClean="0">
+              <a:rPr lang="en-US" sz="4800" b="1" dirty="0" smtClean="0">
                 <a:latin typeface="Comic Sans MS" pitchFamily="66" charset="0"/>
                 <a:sym typeface="Euclid Symbol"/>
               </a:rPr>
               <a:t>relation</a:t>
             </a:r>
-            <a:endParaRPr kumimoji="0" lang="en-US" sz="4000" b="1" i="0" u="none" strike="noStrike" kern="1200" cap="none" spc="0" normalizeH="0" baseline="0" noProof="0" dirty="0">
+            <a:endParaRPr kumimoji="0" lang="en-US" sz="4800" b="1" i="0" u="none" strike="noStrike" kern="1200" cap="none" spc="0" normalizeH="0" baseline="0" noProof="0" dirty="0">
               <a:ln>
                 <a:noFill/>
               </a:ln>
@@ -21325,8 +21373,8 @@
         </p:nvSpPr>
         <p:spPr>
           <a:xfrm>
-            <a:off x="5791200" y="4572000"/>
-            <a:ext cx="2362200" cy="1219200"/>
+            <a:off x="5943600" y="4572000"/>
+            <a:ext cx="2209800" cy="1143000"/>
           </a:xfrm>
           <a:prstGeom prst="rect">
             <a:avLst/>
@@ -21340,27 +21388,28 @@
           <a:lstStyle/>
           <a:p>
             <a:r>
-              <a:rPr lang="en-US" sz="7200" dirty="0" smtClean="0">
+              <a:rPr lang="en-US" sz="6600" dirty="0" smtClean="0">
                 <a:solidFill>
                   <a:srgbClr val="0033CC"/>
                 </a:solidFill>
                 <a:latin typeface="Comic Sans MS" pitchFamily="66" charset="0"/>
                 <a:sym typeface="Euclid Symbol"/>
               </a:rPr>
-              <a:t>B </a:t>
-            </a:r>
-            <a:r>
-              <a:rPr lang="en-US" sz="7200" b="1" dirty="0" smtClean="0">
+              <a:t>B</a:t>
+            </a:r>
+            <a:r>
+              <a:rPr lang="en-US" sz="6600" b="1" dirty="0" smtClean="0">
                 <a:solidFill>
                   <a:srgbClr val="FF0000"/>
                 </a:solidFill>
-                <a:latin typeface="Comic Sans MS" pitchFamily="66" charset="0"/>
+                <a:latin typeface="Euclid Symbol" charset="2"/>
+                <a:cs typeface="Euclid Symbol" charset="2"/>
                 <a:sym typeface="Euclid Symbol"/>
               </a:rPr>
-              <a:t>⊄ </a:t>
-            </a:r>
-            <a:r>
-              <a:rPr lang="en-US" sz="7200" dirty="0" smtClean="0">
+              <a:t>⊄</a:t>
+            </a:r>
+            <a:r>
+              <a:rPr lang="en-US" sz="6600" dirty="0" smtClean="0">
                 <a:solidFill>
                   <a:srgbClr val="0033CC"/>
                 </a:solidFill>
@@ -21369,7 +21418,7 @@
               </a:rPr>
               <a:t>A</a:t>
             </a:r>
-            <a:endParaRPr lang="en-US" sz="7200" dirty="0" smtClean="0">
+            <a:endParaRPr lang="en-US" sz="6600" dirty="0" smtClean="0">
               <a:solidFill>
                 <a:srgbClr val="0033CC"/>
               </a:solidFill>
@@ -21383,6 +21432,9 @@
   <p:clrMapOvr>
     <a:masterClrMapping/>
   </p:clrMapOvr>
+  <p:transition>
+    <p:fade/>
+  </p:transition>
   <p:timing>
     <p:tnLst>
       <p:par>
@@ -25980,26 +26032,27 @@
           <a:lstStyle/>
           <a:p>
             <a:r>
-              <a:rPr lang="en-US" sz="4800" dirty="0" smtClean="0"/>
+              <a:rPr lang="en-US" sz="5400" dirty="0" smtClean="0"/>
               <a:t>properties of </a:t>
             </a:r>
             <a:r>
-              <a:rPr lang="en-US" sz="6600" dirty="0" smtClean="0">
+              <a:rPr lang="en-US" sz="5400" dirty="0" smtClean="0">
                 <a:solidFill>
                   <a:srgbClr val="0000FF"/>
                 </a:solidFill>
-                <a:latin typeface="Calibri"/>
+                <a:latin typeface="Euclid Symbol" charset="2"/>
                 <a:ea typeface="+mn-ea"/>
-                <a:cs typeface="+mn-cs"/>
+                <a:cs typeface="Euclid Symbol" charset="2"/>
                 <a:sym typeface="Euclid Symbol"/>
               </a:rPr>
               <a:t>⊂</a:t>
             </a:r>
-            <a:endParaRPr lang="en-US" sz="4800" dirty="0">
+            <a:endParaRPr lang="en-US" sz="5400" dirty="0">
               <a:solidFill>
                 <a:srgbClr val="0000FF"/>
               </a:solidFill>
-              <a:latin typeface="cmsy10"/>
+              <a:latin typeface="Euclid Symbol" charset="2"/>
+              <a:cs typeface="Euclid Symbol" charset="2"/>
               <a:sym typeface="Symbol" pitchFamily="18" charset="2"/>
             </a:endParaRPr>
           </a:p>
@@ -26015,7 +26068,7 @@
         </p:nvSpPr>
         <p:spPr bwMode="auto">
           <a:xfrm>
-            <a:off x="533400" y="2057400"/>
+            <a:off x="304800" y="2057400"/>
             <a:ext cx="8382000" cy="2339102"/>
           </a:xfrm>
           <a:prstGeom prst="rect">
@@ -26064,6 +26117,8 @@
                 <a:solidFill>
                   <a:srgbClr val="0000FF"/>
                 </a:solidFill>
+                <a:latin typeface="Euclid Symbol" charset="2"/>
+                <a:cs typeface="Euclid Symbol" charset="2"/>
                 <a:sym typeface="Euclid Symbol"/>
               </a:rPr>
               <a:t>⊂</a:t>
@@ -26110,7 +26165,8 @@
                 <a:solidFill>
                   <a:srgbClr val="FF0000"/>
                 </a:solidFill>
-                <a:latin typeface="Comic Sans MS" pitchFamily="66" charset="0"/>
+                <a:latin typeface="Euclid Symbol" charset="2"/>
+                <a:cs typeface="Euclid Symbol" charset="2"/>
                 <a:sym typeface="Euclid Symbol"/>
               </a:rPr>
               <a:t>⊄</a:t>
@@ -26189,7 +26245,7 @@
                             </p:stCondLst>
                             <p:childTnLst>
                               <p:par>
-                                <p:cTn id="5" presetID="15" presetClass="entr" presetSubtype="0" fill="hold" nodeType="clickEffect">
+                                <p:cTn id="5" presetID="10" presetClass="entr" presetSubtype="0" fill="hold" grpId="0" nodeType="clickEffect">
                                   <p:stCondLst>
                                     <p:cond delay="0"/>
                                   </p:stCondLst>
@@ -26197,6 +26253,67 @@
                                     <p:set>
                                       <p:cBhvr>
                                         <p:cTn id="6" dur="1" fill="hold">
+                                          <p:stCondLst>
+                                            <p:cond delay="0"/>
+                                          </p:stCondLst>
+                                        </p:cTn>
+                                        <p:tgtEl>
+                                          <p:spTgt spid="9">
+                                            <p:txEl>
+                                              <p:pRg st="0" end="0"/>
+                                            </p:txEl>
+                                          </p:spTgt>
+                                        </p:tgtEl>
+                                        <p:attrNameLst>
+                                          <p:attrName>style.visibility</p:attrName>
+                                        </p:attrNameLst>
+                                      </p:cBhvr>
+                                      <p:to>
+                                        <p:strVal val="visible"/>
+                                      </p:to>
+                                    </p:set>
+                                    <p:animEffect transition="in" filter="fade">
+                                      <p:cBhvr>
+                                        <p:cTn id="7" dur="500"/>
+                                        <p:tgtEl>
+                                          <p:spTgt spid="9">
+                                            <p:txEl>
+                                              <p:pRg st="0" end="0"/>
+                                            </p:txEl>
+                                          </p:spTgt>
+                                        </p:tgtEl>
+                                      </p:cBhvr>
+                                    </p:animEffect>
+                                  </p:childTnLst>
+                                </p:cTn>
+                              </p:par>
+                            </p:childTnLst>
+                          </p:cTn>
+                        </p:par>
+                      </p:childTnLst>
+                    </p:cTn>
+                  </p:par>
+                  <p:par>
+                    <p:cTn id="8" fill="hold">
+                      <p:stCondLst>
+                        <p:cond delay="indefinite"/>
+                      </p:stCondLst>
+                      <p:childTnLst>
+                        <p:par>
+                          <p:cTn id="9" fill="hold">
+                            <p:stCondLst>
+                              <p:cond delay="0"/>
+                            </p:stCondLst>
+                            <p:childTnLst>
+                              <p:par>
+                                <p:cTn id="10" presetID="10" presetClass="entr" presetSubtype="0" fill="hold" grpId="0" nodeType="clickEffect">
+                                  <p:stCondLst>
+                                    <p:cond delay="0"/>
+                                  </p:stCondLst>
+                                  <p:childTnLst>
+                                    <p:set>
+                                      <p:cBhvr>
+                                        <p:cTn id="11" dur="1" fill="hold">
                                           <p:stCondLst>
                                             <p:cond delay="0"/>
                                           </p:stCondLst>
@@ -26216,9 +26333,9 @@
                                         <p:strVal val="visible"/>
                                       </p:to>
                                     </p:set>
-                                    <p:anim calcmode="lin" valueType="num">
+                                    <p:animEffect transition="in" filter="fade">
                                       <p:cBhvr>
-                                        <p:cTn id="7" dur="1000" fill="hold"/>
+                                        <p:cTn id="12" dur="500"/>
                                         <p:tgtEl>
                                           <p:spTgt spid="9">
                                             <p:txEl>
@@ -26226,104 +26343,8 @@
                                             </p:txEl>
                                           </p:spTgt>
                                         </p:tgtEl>
-                                        <p:attrNameLst>
-                                          <p:attrName>ppt_w</p:attrName>
-                                        </p:attrNameLst>
                                       </p:cBhvr>
-                                      <p:tavLst>
-                                        <p:tav tm="0">
-                                          <p:val>
-                                            <p:fltVal val="0"/>
-                                          </p:val>
-                                        </p:tav>
-                                        <p:tav tm="100000">
-                                          <p:val>
-                                            <p:strVal val="#ppt_w"/>
-                                          </p:val>
-                                        </p:tav>
-                                      </p:tavLst>
-                                    </p:anim>
-                                    <p:anim calcmode="lin" valueType="num">
-                                      <p:cBhvr>
-                                        <p:cTn id="8" dur="1000" fill="hold"/>
-                                        <p:tgtEl>
-                                          <p:spTgt spid="9">
-                                            <p:txEl>
-                                              <p:pRg st="1" end="1"/>
-                                            </p:txEl>
-                                          </p:spTgt>
-                                        </p:tgtEl>
-                                        <p:attrNameLst>
-                                          <p:attrName>ppt_h</p:attrName>
-                                        </p:attrNameLst>
-                                      </p:cBhvr>
-                                      <p:tavLst>
-                                        <p:tav tm="0">
-                                          <p:val>
-                                            <p:fltVal val="0"/>
-                                          </p:val>
-                                        </p:tav>
-                                        <p:tav tm="100000">
-                                          <p:val>
-                                            <p:strVal val="#ppt_h"/>
-                                          </p:val>
-                                        </p:tav>
-                                      </p:tavLst>
-                                    </p:anim>
-                                    <p:anim calcmode="lin" valueType="num">
-                                      <p:cBhvr>
-                                        <p:cTn id="9" dur="1000" fill="hold"/>
-                                        <p:tgtEl>
-                                          <p:spTgt spid="9">
-                                            <p:txEl>
-                                              <p:pRg st="1" end="1"/>
-                                            </p:txEl>
-                                          </p:spTgt>
-                                        </p:tgtEl>
-                                        <p:attrNameLst>
-                                          <p:attrName>ppt_x</p:attrName>
-                                        </p:attrNameLst>
-                                      </p:cBhvr>
-                                      <p:tavLst>
-                                        <p:tav tm="0" fmla="#ppt_x+(cos(-2*pi*(1-$))*-#ppt_x-sin(-2*pi*(1-$))*(1-#ppt_y))*(1-$)">
-                                          <p:val>
-                                            <p:fltVal val="0"/>
-                                          </p:val>
-                                        </p:tav>
-                                        <p:tav tm="100000">
-                                          <p:val>
-                                            <p:fltVal val="1"/>
-                                          </p:val>
-                                        </p:tav>
-                                      </p:tavLst>
-                                    </p:anim>
-                                    <p:anim calcmode="lin" valueType="num">
-                                      <p:cBhvr>
-                                        <p:cTn id="10" dur="1000" fill="hold"/>
-                                        <p:tgtEl>
-                                          <p:spTgt spid="9">
-                                            <p:txEl>
-                                              <p:pRg st="1" end="1"/>
-                                            </p:txEl>
-                                          </p:spTgt>
-                                        </p:tgtEl>
-                                        <p:attrNameLst>
-                                          <p:attrName>ppt_y</p:attrName>
-                                        </p:attrNameLst>
-                                      </p:cBhvr>
-                                      <p:tavLst>
-                                        <p:tav tm="0" fmla="#ppt_y+(sin(-2*pi*(1-$))*-#ppt_x+cos(-2*pi*(1-$))*(1-#ppt_y))*(1-$)">
-                                          <p:val>
-                                            <p:fltVal val="0"/>
-                                          </p:val>
-                                        </p:tav>
-                                        <p:tav tm="100000">
-                                          <p:val>
-                                            <p:fltVal val="1"/>
-                                          </p:val>
-                                        </p:tav>
-                                      </p:tavLst>
-                                    </p:anim>
+                                    </p:animEffect>
                                   </p:childTnLst>
                                 </p:cTn>
                               </p:par>
@@ -26354,6 +26375,9 @@
         </p:cTn>
       </p:par>
     </p:tnLst>
+    <p:bldLst>
+      <p:bldP spid="9" grpId="0" build="p"/>
+    </p:bldLst>
   </p:timing>
 </p:sld>
 </file>
@@ -27737,7 +27761,7 @@
         <p:spPr>
           <a:xfrm>
             <a:off x="2057400" y="304800"/>
-            <a:ext cx="5638800" cy="1143000"/>
+            <a:ext cx="6400800" cy="1219200"/>
           </a:xfrm>
         </p:spPr>
         <p:txBody>
@@ -27747,16 +27771,27 @@
           <a:lstStyle/>
           <a:p>
             <a:r>
-              <a:rPr lang="en-US" sz="4800" dirty="0" smtClean="0">
+              <a:rPr lang="en-US" sz="5400" dirty="0" smtClean="0">
                 <a:solidFill>
                   <a:srgbClr val="0000FF"/>
                 </a:solidFill>
+                <a:latin typeface="Euclid Symbol" charset="2"/>
+                <a:cs typeface="Euclid Symbol" charset="2"/>
                 <a:sym typeface="Euclid Symbol"/>
               </a:rPr>
-              <a:t>⊂ </a:t>
-            </a:r>
-            <a:r>
-              <a:rPr lang="en-US" sz="4800" dirty="0" smtClean="0">
+              <a:t>⊂</a:t>
+            </a:r>
+            <a:r>
+              <a:rPr lang="en-US" sz="5400" dirty="0" smtClean="0">
+                <a:solidFill>
+                  <a:srgbClr val="0000FF"/>
+                </a:solidFill>
+                <a:sym typeface="Euclid Symbol"/>
+              </a:rPr>
+              <a:t> </a:t>
+            </a:r>
+            <a:r>
+              <a:rPr lang="en-US" sz="5400" dirty="0" smtClean="0">
                 <a:solidFill>
                   <a:schemeClr val="tx1">
                     <a:lumMod val="85000"/>
@@ -27768,7 +27803,7 @@
               <a:t>is</a:t>
             </a:r>
             <a:r>
-              <a:rPr lang="en-US" sz="4800" dirty="0" smtClean="0">
+              <a:rPr lang="en-US" sz="5400" dirty="0" smtClean="0">
                 <a:solidFill>
                   <a:srgbClr val="0000FF"/>
                 </a:solidFill>
@@ -27776,7 +27811,7 @@
               </a:rPr>
               <a:t> asymmetric</a:t>
             </a:r>
-            <a:endParaRPr lang="en-US" sz="4800" dirty="0">
+            <a:endParaRPr lang="en-US" sz="5400" dirty="0">
               <a:solidFill>
                 <a:srgbClr val="0000FF"/>
               </a:solidFill>
@@ -27966,27 +28001,29 @@
           <a:lstStyle/>
           <a:p>
             <a:r>
-              <a:rPr lang="en-US" sz="4800" dirty="0" smtClean="0"/>
+              <a:rPr lang="en-US" sz="5400" dirty="0" smtClean="0"/>
               <a:t>properties of </a:t>
             </a:r>
             <a:r>
+              <a:rPr lang="en-US" sz="5400" dirty="0" smtClean="0">
+                <a:solidFill>
+                  <a:srgbClr val="0033CC"/>
+                </a:solidFill>
+                <a:latin typeface="Euclid Symbol" charset="2"/>
+                <a:ea typeface="+mn-ea"/>
+                <a:cs typeface="Euclid Symbol" charset="2"/>
+                <a:sym typeface="Euclid Symbol"/>
+              </a:rPr>
+              <a:t>⊂</a:t>
+            </a:r>
+            <a:r>
               <a:rPr lang="en-US" sz="6000" dirty="0" smtClean="0">
                 <a:solidFill>
                   <a:srgbClr val="0033CC"/>
                 </a:solidFill>
+                <a:latin typeface="Euclid Symbol" charset="2"/>
                 <a:ea typeface="+mn-ea"/>
-                <a:cs typeface="+mn-cs"/>
-                <a:sym typeface="Euclid Symbol"/>
-              </a:rPr>
-              <a:t>⊂</a:t>
-            </a:r>
-            <a:r>
-              <a:rPr lang="en-US" sz="6000" b="0" dirty="0" smtClean="0">
-                <a:solidFill>
-                  <a:srgbClr val="0033CC"/>
-                </a:solidFill>
-                <a:ea typeface="+mn-ea"/>
-                <a:cs typeface="+mn-cs"/>
+                <a:cs typeface="Euclid Symbol" charset="2"/>
                 <a:sym typeface="Symbol" pitchFamily="18" charset="2"/>
               </a:rPr>
               <a:t> </a:t>
@@ -27995,7 +28032,8 @@
               <a:solidFill>
                 <a:srgbClr val="0000FF"/>
               </a:solidFill>
-              <a:latin typeface="cmsy10"/>
+              <a:latin typeface="Euclid Symbol" charset="2"/>
+              <a:cs typeface="Euclid Symbol" charset="2"/>
               <a:sym typeface="Symbol" pitchFamily="18" charset="2"/>
             </a:endParaRPr>
           </a:p>
@@ -28067,7 +28105,8 @@
                 <a:solidFill>
                   <a:srgbClr val="0033CC"/>
                 </a:solidFill>
-                <a:latin typeface="Comic Sans MS" pitchFamily="66" charset="0"/>
+                <a:latin typeface="Euclid Symbol" charset="2"/>
+                <a:cs typeface="Euclid Symbol" charset="2"/>
                 <a:sym typeface="Euclid Symbol"/>
               </a:rPr>
               <a:t>⊂</a:t>
@@ -28117,14 +28156,25 @@
                 <a:latin typeface="Comic Sans MS" pitchFamily="66" charset="0"/>
                 <a:sym typeface="Symbol" pitchFamily="18" charset="2"/>
               </a:rPr>
-              <a:t>B </a:t>
+              <a:t>B</a:t>
+            </a:r>
+            <a:r>
+              <a:rPr lang="en-US" sz="6000" dirty="0" smtClean="0">
+                <a:solidFill>
+                  <a:srgbClr val="0033CC"/>
+                </a:solidFill>
+                <a:latin typeface="Comic Sans MS" pitchFamily="66" charset="0"/>
+                <a:sym typeface="Symbol" pitchFamily="18" charset="2"/>
+              </a:rPr>
+              <a:t> </a:t>
             </a:r>
             <a:r>
               <a:rPr lang="en-US" sz="6000" b="1" dirty="0" smtClean="0">
                 <a:solidFill>
                   <a:srgbClr val="0033CC"/>
                 </a:solidFill>
-                <a:latin typeface="Comic Sans MS" pitchFamily="66" charset="0"/>
+                <a:latin typeface="Euclid Symbol" charset="2"/>
+                <a:cs typeface="Euclid Symbol" charset="2"/>
                 <a:sym typeface="Euclid Symbol"/>
               </a:rPr>
               <a:t>⊂</a:t>
@@ -28137,7 +28187,17 @@
                 <a:latin typeface="Comic Sans MS" pitchFamily="66" charset="0"/>
                 <a:sym typeface="Symbol" pitchFamily="18" charset="2"/>
               </a:rPr>
-              <a:t> C</a:t>
+              <a:t> </a:t>
+            </a:r>
+            <a:r>
+              <a:rPr lang="en-US" sz="6000" dirty="0" smtClean="0">
+                <a:solidFill>
+                  <a:srgbClr val="0033CC"/>
+                </a:solidFill>
+                <a:latin typeface="Comic Sans MS" pitchFamily="66" charset="0"/>
+                <a:sym typeface="Symbol" pitchFamily="18" charset="2"/>
+              </a:rPr>
+              <a:t>C</a:t>
             </a:r>
             <a:r>
               <a:rPr lang="en-US" sz="6000" dirty="0" smtClean="0">
@@ -28196,7 +28256,8 @@
                 <a:solidFill>
                   <a:srgbClr val="0033CC"/>
                 </a:solidFill>
-                <a:latin typeface="Comic Sans MS" pitchFamily="66" charset="0"/>
+                <a:latin typeface="Euclid Symbol" charset="2"/>
+                <a:cs typeface="Euclid Symbol" charset="2"/>
                 <a:sym typeface="Euclid Symbol"/>
               </a:rPr>
               <a:t>⊂</a:t>
@@ -28209,7 +28270,17 @@
                 <a:latin typeface="Comic Sans MS" pitchFamily="66" charset="0"/>
                 <a:sym typeface="Symbol" pitchFamily="18" charset="2"/>
               </a:rPr>
-              <a:t> C</a:t>
+              <a:t> </a:t>
+            </a:r>
+            <a:r>
+              <a:rPr lang="en-US" sz="6000" dirty="0" smtClean="0">
+                <a:solidFill>
+                  <a:srgbClr val="0033CC"/>
+                </a:solidFill>
+                <a:latin typeface="Comic Sans MS" pitchFamily="66" charset="0"/>
+                <a:sym typeface="Symbol" pitchFamily="18" charset="2"/>
+              </a:rPr>
+              <a:t>C</a:t>
             </a:r>
           </a:p>
           <a:p>
@@ -28235,7 +28306,9 @@
   <p:clrMapOvr>
     <a:masterClrMapping/>
   </p:clrMapOvr>
-  <p:transition/>
+  <p:transition spd="slow">
+    <p:fade thruBlk="1"/>
+  </p:transition>
   <p:timing>
     <p:tnLst>
       <p:par>
@@ -28837,11 +28910,22 @@
             <a:r>
               <a:rPr lang="en-US" sz="4800" dirty="0" smtClean="0">
                 <a:solidFill>
+                  <a:srgbClr val="0033CC"/>
+                </a:solidFill>
+                <a:latin typeface="Euclid Symbol" charset="2"/>
+                <a:cs typeface="Euclid Symbol" charset="2"/>
+                <a:sym typeface="Euclid Symbol"/>
+              </a:rPr>
+              <a:t>⊂</a:t>
+            </a:r>
+            <a:r>
+              <a:rPr lang="en-US" sz="4800" dirty="0" smtClean="0">
+                <a:solidFill>
                   <a:srgbClr val="0000FF"/>
                 </a:solidFill>
                 <a:sym typeface="Euclid Symbol"/>
               </a:rPr>
-              <a:t>⊂ </a:t>
+              <a:t> </a:t>
             </a:r>
             <a:r>
               <a:rPr lang="en-US" sz="4800" dirty="0" smtClean="0">
@@ -28879,7 +28963,9 @@
   <p:clrMapOvr>
     <a:masterClrMapping/>
   </p:clrMapOvr>
-  <p:transition/>
+  <p:transition>
+    <p:fade/>
+  </p:transition>
   <p:timing>
     <p:tnLst>
       <p:par>
@@ -29213,12 +29299,6 @@
 <file path=ppt/tags/tag1.xml><?xml version="1.0" encoding="utf-8"?>
 <p:tagLst xmlns:a="http://schemas.openxmlformats.org/drawingml/2006/main" xmlns:r="http://schemas.openxmlformats.org/officeDocument/2006/relationships" xmlns:mc="http://schemas.openxmlformats.org/markup-compatibility/2006" xmlns:mv="urn:schemas-microsoft-com:mac:vml" xmlns:p="http://schemas.openxmlformats.org/presentationml/2006/main" mc:Ignorable="mv" mc:PreserveAttributes="mv:*">
   <p:tag name="FIRSTALBERT20R2E20MEYER@YOGLRJUFUVWXY5M3" val="2818"/>
-</p:tagLst>
-</file>
-
-<file path=ppt/tags/tag2.xml><?xml version="1.0" encoding="utf-8"?>
-<p:tagLst xmlns:a="http://schemas.openxmlformats.org/drawingml/2006/main" xmlns:r="http://schemas.openxmlformats.org/officeDocument/2006/relationships" xmlns:mc="http://schemas.openxmlformats.org/markup-compatibility/2006" xmlns:mv="urn:schemas-microsoft-com:mac:vml" xmlns:p="http://schemas.openxmlformats.org/presentationml/2006/main" mc:Ignorable="mv" mc:PreserveAttributes="mv:*">
-  <p:tag name="HIDDENFONTSHAPE" val="true"/>
 </p:tagLst>
 </file>
 
